--- a/Project Release Plan.pptx
+++ b/Project Release Plan.pptx
@@ -14,23 +14,25 @@
     <p:sldId id="259" r:id="rId9"/>
     <p:sldId id="260" r:id="rId10"/>
     <p:sldId id="261" r:id="rId11"/>
+    <p:sldId id="262" r:id="rId12"/>
+    <p:sldId id="263" r:id="rId13"/>
   </p:sldIdLst>
   <p:sldSz cy="5143500" cx="9144000"/>
   <p:notesSz cx="6858000" cy="9144000"/>
   <p:embeddedFontLst>
     <p:embeddedFont>
       <p:font typeface="Raleway"/>
-      <p:regular r:id="rId12"/>
-      <p:bold r:id="rId13"/>
-      <p:italic r:id="rId14"/>
-      <p:boldItalic r:id="rId15"/>
+      <p:regular r:id="rId14"/>
+      <p:bold r:id="rId15"/>
+      <p:italic r:id="rId16"/>
+      <p:boldItalic r:id="rId17"/>
     </p:embeddedFont>
     <p:embeddedFont>
       <p:font typeface="Lato"/>
-      <p:regular r:id="rId16"/>
-      <p:bold r:id="rId17"/>
-      <p:italic r:id="rId18"/>
-      <p:boldItalic r:id="rId19"/>
+      <p:regular r:id="rId18"/>
+      <p:bold r:id="rId19"/>
+      <p:italic r:id="rId20"/>
+      <p:boldItalic r:id="rId21"/>
     </p:embeddedFont>
   </p:embeddedFontLst>
   <p:defaultTextStyle>
@@ -922,7 +924,7 @@
       </p:grpSpPr>
       <p:sp>
         <p:nvSpPr>
-          <p:cNvPr id="96" name="Google Shape;96;g43473facbf_0_396:notes"/>
+          <p:cNvPr id="96" name="Google Shape;96;g43473facbf_2_0:notes"/>
           <p:cNvSpPr/>
           <p:nvPr>
             <p:ph idx="2" type="sldImg"/>
@@ -957,7 +959,7 @@
       </p:sp>
       <p:sp>
         <p:nvSpPr>
-          <p:cNvPr id="97" name="Google Shape;97;g43473facbf_0_396:notes"/>
+          <p:cNvPr id="97" name="Google Shape;97;g43473facbf_2_0:notes"/>
           <p:cNvSpPr txBox="1"/>
           <p:nvPr>
             <p:ph idx="1" type="body"/>
@@ -1021,7 +1023,7 @@
       </p:grpSpPr>
       <p:sp>
         <p:nvSpPr>
-          <p:cNvPr id="102" name="Google Shape;102;g43473facbf_0_402:notes"/>
+          <p:cNvPr id="102" name="Google Shape;102;g43473facbf_0_396:notes"/>
           <p:cNvSpPr/>
           <p:nvPr>
             <p:ph idx="2" type="sldImg"/>
@@ -1056,7 +1058,7 @@
       </p:sp>
       <p:sp>
         <p:nvSpPr>
-          <p:cNvPr id="103" name="Google Shape;103;g43473facbf_0_402:notes"/>
+          <p:cNvPr id="103" name="Google Shape;103;g43473facbf_0_396:notes"/>
           <p:cNvSpPr txBox="1"/>
           <p:nvPr>
             <p:ph idx="1" type="body"/>
@@ -1120,7 +1122,7 @@
       </p:grpSpPr>
       <p:sp>
         <p:nvSpPr>
-          <p:cNvPr id="108" name="Google Shape;108;g43473facbf_0_410:notes"/>
+          <p:cNvPr id="108" name="Google Shape;108;g43473facbf_2_5:notes"/>
           <p:cNvSpPr/>
           <p:nvPr>
             <p:ph idx="2" type="sldImg"/>
@@ -1155,7 +1157,7 @@
       </p:sp>
       <p:sp>
         <p:nvSpPr>
-          <p:cNvPr id="109" name="Google Shape;109;g43473facbf_0_410:notes"/>
+          <p:cNvPr id="109" name="Google Shape;109;g43473facbf_2_5:notes"/>
           <p:cNvSpPr txBox="1"/>
           <p:nvPr>
             <p:ph idx="1" type="body"/>
@@ -1219,7 +1221,7 @@
       </p:grpSpPr>
       <p:sp>
         <p:nvSpPr>
-          <p:cNvPr id="114" name="Google Shape;114;g43473facbf_0_415:notes"/>
+          <p:cNvPr id="114" name="Google Shape;114;g43473facbf_0_410:notes"/>
           <p:cNvSpPr/>
           <p:nvPr>
             <p:ph idx="2" type="sldImg"/>
@@ -1254,7 +1256,205 @@
       </p:sp>
       <p:sp>
         <p:nvSpPr>
-          <p:cNvPr id="115" name="Google Shape;115;g43473facbf_0_415:notes"/>
+          <p:cNvPr id="115" name="Google Shape;115;g43473facbf_0_410:notes"/>
+          <p:cNvSpPr txBox="1"/>
+          <p:nvPr>
+            <p:ph idx="1" type="body"/>
+          </p:nvPr>
+        </p:nvSpPr>
+        <p:spPr>
+          <a:xfrm>
+            <a:off x="685800" y="4343400"/>
+            <a:ext cx="5486400" cy="4114800"/>
+          </a:xfrm>
+          <a:prstGeom prst="rect">
+            <a:avLst/>
+          </a:prstGeom>
+        </p:spPr>
+        <p:txBody>
+          <a:bodyPr anchorCtr="0" anchor="t" bIns="91425" lIns="91425" spcFirstLastPara="1" rIns="91425" wrap="square" tIns="91425">
+            <a:noAutofit/>
+          </a:bodyPr>
+          <a:lstStyle/>
+          <a:p>
+            <a:pPr indent="0" lvl="0" marL="0" rtl="0" algn="l">
+              <a:spcBef>
+                <a:spcPts val="0"/>
+              </a:spcBef>
+              <a:spcAft>
+                <a:spcPts val="0"/>
+              </a:spcAft>
+              <a:buNone/>
+            </a:pPr>
+            <a:r>
+              <a:t/>
+            </a:r>
+            <a:endParaRPr/>
+          </a:p>
+        </p:txBody>
+      </p:sp>
+    </p:spTree>
+  </p:cSld>
+  <p:clrMapOvr>
+    <a:masterClrMapping/>
+  </p:clrMapOvr>
+</p:notes>
+</file>
+
+<file path=ppt/notesSlides/notesSlide7.xml><?xml version="1.0" encoding="utf-8"?>
+<p:notes xmlns:a="http://schemas.openxmlformats.org/drawingml/2006/main" xmlns:r="http://schemas.openxmlformats.org/officeDocument/2006/relationships" xmlns:mc="http://schemas.openxmlformats.org/markup-compatibility/2006" xmlns:mv="urn:schemas-microsoft-com:mac:vml" xmlns:p="http://schemas.openxmlformats.org/presentationml/2006/main" xmlns:c="http://schemas.openxmlformats.org/drawingml/2006/chart" xmlns:dgm="http://schemas.openxmlformats.org/drawingml/2006/diagram" xmlns:o="urn:schemas-microsoft-com:office:office" xmlns:v="urn:schemas-microsoft-com:vml" xmlns:pvml="urn:schemas-microsoft-com:office:powerpoint" xmlns:com="http://schemas.openxmlformats.org/drawingml/2006/compatibility" xmlns:p14="http://schemas.microsoft.com/office/powerpoint/2010/main" xmlns:p15="http://schemas.microsoft.com/office/powerpoint/2012/main" showMasterPhAnim="0" showMasterSp="0">
+  <p:cSld>
+    <p:spTree>
+      <p:nvGrpSpPr>
+        <p:cNvPr id="119" name="Shape 119"/>
+        <p:cNvGrpSpPr/>
+        <p:nvPr/>
+      </p:nvGrpSpPr>
+      <p:grpSpPr>
+        <a:xfrm>
+          <a:off x="0" y="0"/>
+          <a:ext cx="0" cy="0"/>
+          <a:chOff x="0" y="0"/>
+          <a:chExt cx="0" cy="0"/>
+        </a:xfrm>
+      </p:grpSpPr>
+      <p:sp>
+        <p:nvSpPr>
+          <p:cNvPr id="120" name="Google Shape;120;g43473facbf_0_415:notes"/>
+          <p:cNvSpPr/>
+          <p:nvPr>
+            <p:ph idx="2" type="sldImg"/>
+          </p:nvPr>
+        </p:nvSpPr>
+        <p:spPr>
+          <a:xfrm>
+            <a:off x="381300" y="685800"/>
+            <a:ext cx="6096000" cy="3429000"/>
+          </a:xfrm>
+          <a:custGeom>
+            <a:rect b="b" l="l" r="r" t="t"/>
+            <a:pathLst>
+              <a:path extrusionOk="0" h="120000" w="120000">
+                <a:moveTo>
+                  <a:pt x="0" y="0"/>
+                </a:moveTo>
+                <a:lnTo>
+                  <a:pt x="120000" y="0"/>
+                </a:lnTo>
+                <a:lnTo>
+                  <a:pt x="120000" y="120000"/>
+                </a:lnTo>
+                <a:lnTo>
+                  <a:pt x="0" y="120000"/>
+                </a:lnTo>
+                <a:close/>
+              </a:path>
+            </a:pathLst>
+          </a:custGeom>
+        </p:spPr>
+      </p:sp>
+      <p:sp>
+        <p:nvSpPr>
+          <p:cNvPr id="121" name="Google Shape;121;g43473facbf_0_415:notes"/>
+          <p:cNvSpPr txBox="1"/>
+          <p:nvPr>
+            <p:ph idx="1" type="body"/>
+          </p:nvPr>
+        </p:nvSpPr>
+        <p:spPr>
+          <a:xfrm>
+            <a:off x="685800" y="4343400"/>
+            <a:ext cx="5486400" cy="4114800"/>
+          </a:xfrm>
+          <a:prstGeom prst="rect">
+            <a:avLst/>
+          </a:prstGeom>
+        </p:spPr>
+        <p:txBody>
+          <a:bodyPr anchorCtr="0" anchor="t" bIns="91425" lIns="91425" spcFirstLastPara="1" rIns="91425" wrap="square" tIns="91425">
+            <a:noAutofit/>
+          </a:bodyPr>
+          <a:lstStyle/>
+          <a:p>
+            <a:pPr indent="0" lvl="0" marL="0" rtl="0" algn="l">
+              <a:spcBef>
+                <a:spcPts val="0"/>
+              </a:spcBef>
+              <a:spcAft>
+                <a:spcPts val="0"/>
+              </a:spcAft>
+              <a:buNone/>
+            </a:pPr>
+            <a:r>
+              <a:t/>
+            </a:r>
+            <a:endParaRPr/>
+          </a:p>
+        </p:txBody>
+      </p:sp>
+    </p:spTree>
+  </p:cSld>
+  <p:clrMapOvr>
+    <a:masterClrMapping/>
+  </p:clrMapOvr>
+</p:notes>
+</file>
+
+<file path=ppt/notesSlides/notesSlide8.xml><?xml version="1.0" encoding="utf-8"?>
+<p:notes xmlns:a="http://schemas.openxmlformats.org/drawingml/2006/main" xmlns:r="http://schemas.openxmlformats.org/officeDocument/2006/relationships" xmlns:mc="http://schemas.openxmlformats.org/markup-compatibility/2006" xmlns:mv="urn:schemas-microsoft-com:mac:vml" xmlns:p="http://schemas.openxmlformats.org/presentationml/2006/main" xmlns:c="http://schemas.openxmlformats.org/drawingml/2006/chart" xmlns:dgm="http://schemas.openxmlformats.org/drawingml/2006/diagram" xmlns:o="urn:schemas-microsoft-com:office:office" xmlns:v="urn:schemas-microsoft-com:vml" xmlns:pvml="urn:schemas-microsoft-com:office:powerpoint" xmlns:com="http://schemas.openxmlformats.org/drawingml/2006/compatibility" xmlns:p14="http://schemas.microsoft.com/office/powerpoint/2010/main" xmlns:p15="http://schemas.microsoft.com/office/powerpoint/2012/main" showMasterPhAnim="0" showMasterSp="0">
+  <p:cSld>
+    <p:spTree>
+      <p:nvGrpSpPr>
+        <p:cNvPr id="125" name="Shape 125"/>
+        <p:cNvGrpSpPr/>
+        <p:nvPr/>
+      </p:nvGrpSpPr>
+      <p:grpSpPr>
+        <a:xfrm>
+          <a:off x="0" y="0"/>
+          <a:ext cx="0" cy="0"/>
+          <a:chOff x="0" y="0"/>
+          <a:chExt cx="0" cy="0"/>
+        </a:xfrm>
+      </p:grpSpPr>
+      <p:sp>
+        <p:nvSpPr>
+          <p:cNvPr id="126" name="Google Shape;126;g43473facbf_0_402:notes"/>
+          <p:cNvSpPr/>
+          <p:nvPr>
+            <p:ph idx="2" type="sldImg"/>
+          </p:nvPr>
+        </p:nvSpPr>
+        <p:spPr>
+          <a:xfrm>
+            <a:off x="381300" y="685800"/>
+            <a:ext cx="6096000" cy="3429000"/>
+          </a:xfrm>
+          <a:custGeom>
+            <a:rect b="b" l="l" r="r" t="t"/>
+            <a:pathLst>
+              <a:path extrusionOk="0" h="120000" w="120000">
+                <a:moveTo>
+                  <a:pt x="0" y="0"/>
+                </a:moveTo>
+                <a:lnTo>
+                  <a:pt x="120000" y="0"/>
+                </a:lnTo>
+                <a:lnTo>
+                  <a:pt x="120000" y="120000"/>
+                </a:lnTo>
+                <a:lnTo>
+                  <a:pt x="0" y="120000"/>
+                </a:lnTo>
+                <a:close/>
+              </a:path>
+            </a:pathLst>
+          </a:custGeom>
+        </p:spPr>
+      </p:sp>
+      <p:sp>
+        <p:nvSpPr>
+          <p:cNvPr id="127" name="Google Shape;127;g43473facbf_0_402:notes"/>
           <p:cNvSpPr txBox="1"/>
           <p:nvPr>
             <p:ph idx="1" type="body"/>
@@ -7961,7 +8161,7 @@
             </a:pPr>
             <a:r>
               <a:rPr b="1" lang="en" sz="2500"/>
-              <a:t>TrafficDump</a:t>
+              <a:t>TrafficDump™</a:t>
             </a:r>
             <a:endParaRPr b="1" sz="2500"/>
           </a:p>
@@ -8098,7 +8298,7 @@
             </a:pPr>
             <a:r>
               <a:rPr lang="en" sz="1800"/>
-              <a:t>Alexis Flores (Scrum Master)</a:t>
+              <a:t>Alexis Flores (Initial Scrum Master)</a:t>
             </a:r>
             <a:endParaRPr sz="1800"/>
           </a:p>
@@ -8245,7 +8445,7 @@
               <a:buNone/>
             </a:pPr>
             <a:r>
-              <a:rPr lang="en" sz="1500">
+              <a:rPr b="1" lang="en" sz="1500">
                 <a:solidFill>
                   <a:srgbClr val="404040"/>
                 </a:solidFill>
@@ -8254,7 +8454,55 @@
                 <a:cs typeface="Trebuchet MS"/>
                 <a:sym typeface="Trebuchet MS"/>
               </a:rPr>
-              <a:t>Analyze traffic of DNS and HTTTP requests and present it in graphical and list interface.</a:t>
+              <a:t>TrafficDump is a web application that a</a:t>
+            </a:r>
+            <a:r>
+              <a:rPr b="1" lang="en" sz="1500">
+                <a:solidFill>
+                  <a:srgbClr val="404040"/>
+                </a:solidFill>
+                <a:latin typeface="Trebuchet MS"/>
+                <a:ea typeface="Trebuchet MS"/>
+                <a:cs typeface="Trebuchet MS"/>
+                <a:sym typeface="Trebuchet MS"/>
+              </a:rPr>
+              <a:t>nalyzes network traffic (such as DNS and HTTP requests)</a:t>
+            </a:r>
+            <a:r>
+              <a:rPr lang="en" sz="1500">
+                <a:solidFill>
+                  <a:srgbClr val="404040"/>
+                </a:solidFill>
+                <a:latin typeface="Trebuchet MS"/>
+                <a:ea typeface="Trebuchet MS"/>
+                <a:cs typeface="Trebuchet MS"/>
+                <a:sym typeface="Trebuchet MS"/>
+              </a:rPr>
+              <a:t> from network devices located around campus </a:t>
+            </a:r>
+            <a:r>
+              <a:rPr b="1" lang="en" sz="1500">
+                <a:solidFill>
+                  <a:srgbClr val="404040"/>
+                </a:solidFill>
+                <a:latin typeface="Trebuchet MS"/>
+                <a:ea typeface="Trebuchet MS"/>
+                <a:cs typeface="Trebuchet MS"/>
+                <a:sym typeface="Trebuchet MS"/>
+              </a:rPr>
+              <a:t>to provide valuable performance metrics</a:t>
+            </a:r>
+            <a:r>
+              <a:rPr lang="en" sz="1500">
+                <a:solidFill>
+                  <a:srgbClr val="404040"/>
+                </a:solidFill>
+                <a:latin typeface="Trebuchet MS"/>
+                <a:ea typeface="Trebuchet MS"/>
+                <a:cs typeface="Trebuchet MS"/>
+                <a:sym typeface="Trebuchet MS"/>
+              </a:rPr>
+              <a:t> and represent it as a list of graphical interface </a:t>
             </a:r>
             <a:endParaRPr sz="1500">
               <a:solidFill>
@@ -8286,30 +8534,10 @@
                 <a:cs typeface="Trebuchet MS"/>
                 <a:sym typeface="Trebuchet MS"/>
               </a:rPr>
-              <a:t>Using this information, be able to provide the most efficient route to take and show where to reach the best network signal.</a:t>
+              <a:t>Using these metrics, TrafficDump be able to </a:t>
             </a:r>
-            <a:endParaRPr sz="1500">
-              <a:solidFill>
-                <a:srgbClr val="404040"/>
-              </a:solidFill>
-              <a:latin typeface="Trebuchet MS"/>
-              <a:ea typeface="Trebuchet MS"/>
-              <a:cs typeface="Trebuchet MS"/>
-              <a:sym typeface="Trebuchet MS"/>
-            </a:endParaRPr>
-          </a:p>
-          <a:p>
-            <a:pPr indent="0" lvl="0" marL="0" rtl="0" algn="l">
-              <a:spcBef>
-                <a:spcPts val="1000"/>
-              </a:spcBef>
-              <a:spcAft>
-                <a:spcPts val="0"/>
-              </a:spcAft>
-              <a:buNone/>
-            </a:pPr>
             <a:r>
-              <a:rPr b="1" lang="en" sz="1500" u="sng">
+              <a:rPr b="1" lang="en" sz="1500">
                 <a:solidFill>
                   <a:srgbClr val="404040"/>
                 </a:solidFill>
@@ -8318,39 +8546,7 @@
                 <a:cs typeface="Trebuchet MS"/>
                 <a:sym typeface="Trebuchet MS"/>
               </a:rPr>
-              <a:t>High level goal(s):</a:t>
-            </a:r>
-            <a:endParaRPr b="1" sz="1500" u="sng">
-              <a:solidFill>
-                <a:srgbClr val="404040"/>
-              </a:solidFill>
-              <a:latin typeface="Trebuchet MS"/>
-              <a:ea typeface="Trebuchet MS"/>
-              <a:cs typeface="Trebuchet MS"/>
-              <a:sym typeface="Trebuchet MS"/>
-            </a:endParaRPr>
-          </a:p>
-          <a:p>
-            <a:pPr indent="0" lvl="0" marL="0" rtl="0" algn="l">
-              <a:spcBef>
-                <a:spcPts val="1000"/>
-              </a:spcBef>
-              <a:spcAft>
-                <a:spcPts val="0"/>
-              </a:spcAft>
-              <a:buNone/>
-            </a:pPr>
-            <a:r>
-              <a:rPr lang="en" sz="1500">
-                <a:solidFill>
-                  <a:srgbClr val="90C226"/>
-                </a:solidFill>
-                <a:latin typeface="Arial"/>
-                <a:ea typeface="Arial"/>
-                <a:cs typeface="Arial"/>
-                <a:sym typeface="Arial"/>
-              </a:rPr>
-              <a:t>•</a:t>
+              <a:t>provide a location with the best network signal</a:t>
             </a:r>
             <a:r>
               <a:rPr lang="en" sz="1500">
@@ -8362,95 +8558,7 @@
                 <a:cs typeface="Trebuchet MS"/>
                 <a:sym typeface="Trebuchet MS"/>
               </a:rPr>
-              <a:t>Combination of Google Maps API with the UCSC Access Points to display where fastest/slowest connections.</a:t>
-            </a:r>
-            <a:endParaRPr sz="1500">
-              <a:solidFill>
-                <a:srgbClr val="404040"/>
-              </a:solidFill>
-              <a:latin typeface="Trebuchet MS"/>
-              <a:ea typeface="Trebuchet MS"/>
-              <a:cs typeface="Trebuchet MS"/>
-              <a:sym typeface="Trebuchet MS"/>
-            </a:endParaRPr>
-          </a:p>
-          <a:p>
-            <a:pPr indent="0" lvl="0" marL="0" rtl="0" algn="l">
-              <a:spcBef>
-                <a:spcPts val="1000"/>
-              </a:spcBef>
-              <a:spcAft>
-                <a:spcPts val="0"/>
-              </a:spcAft>
-              <a:buNone/>
-            </a:pPr>
-            <a:r>
-              <a:rPr lang="en" sz="1500">
-                <a:solidFill>
-                  <a:srgbClr val="90C226"/>
-                </a:solidFill>
-                <a:latin typeface="Arial"/>
-                <a:ea typeface="Arial"/>
-                <a:cs typeface="Arial"/>
-                <a:sym typeface="Arial"/>
-              </a:rPr>
-              <a:t>•</a:t>
-            </a:r>
-            <a:r>
-              <a:rPr lang="en" sz="1500">
-                <a:solidFill>
-                  <a:srgbClr val="404040"/>
-                </a:solidFill>
-                <a:latin typeface="Trebuchet MS"/>
-                <a:ea typeface="Trebuchet MS"/>
-                <a:cs typeface="Trebuchet MS"/>
-                <a:sym typeface="Trebuchet MS"/>
-              </a:rPr>
-              <a:t>Trace-back using an IP address to mark a geographic location for that address</a:t>
-            </a:r>
-            <a:endParaRPr sz="1500">
-              <a:solidFill>
-                <a:srgbClr val="404040"/>
-              </a:solidFill>
-              <a:latin typeface="Trebuchet MS"/>
-              <a:ea typeface="Trebuchet MS"/>
-              <a:cs typeface="Trebuchet MS"/>
-              <a:sym typeface="Trebuchet MS"/>
-            </a:endParaRPr>
-          </a:p>
-          <a:p>
-            <a:pPr indent="0" lvl="0" marL="0" rtl="0" algn="l">
-              <a:spcBef>
-                <a:spcPts val="1000"/>
-              </a:spcBef>
-              <a:spcAft>
-                <a:spcPts val="0"/>
-              </a:spcAft>
-              <a:buNone/>
-            </a:pPr>
-            <a:r>
-              <a:rPr lang="en" sz="1500">
-                <a:solidFill>
-                  <a:srgbClr val="90C226"/>
-                </a:solidFill>
-                <a:latin typeface="Arial"/>
-                <a:ea typeface="Arial"/>
-                <a:cs typeface="Arial"/>
-                <a:sym typeface="Arial"/>
-              </a:rPr>
-              <a:t>•</a:t>
-            </a:r>
-            <a:r>
-              <a:rPr lang="en" sz="1500">
-                <a:solidFill>
-                  <a:srgbClr val="404040"/>
-                </a:solidFill>
-                <a:latin typeface="Trebuchet MS"/>
-                <a:ea typeface="Trebuchet MS"/>
-                <a:cs typeface="Trebuchet MS"/>
-                <a:sym typeface="Trebuchet MS"/>
-              </a:rPr>
-              <a:t>Log network traffic and create some data visualization of it</a:t>
+              <a:t> and the most efficient route to that location.</a:t>
             </a:r>
             <a:endParaRPr sz="1500">
               <a:solidFill>
@@ -8549,13 +8657,13 @@
           <p:cNvPr id="99" name="Google Shape;99;p15"/>
           <p:cNvSpPr txBox="1"/>
           <p:nvPr>
-            <p:ph idx="1" type="body"/>
+            <p:ph type="title"/>
           </p:nvPr>
         </p:nvSpPr>
         <p:spPr>
           <a:xfrm>
-            <a:off x="729450" y="1267775"/>
-            <a:ext cx="7688700" cy="3670500"/>
+            <a:off x="85000" y="459050"/>
+            <a:ext cx="7688700" cy="535200"/>
           </a:xfrm>
           <a:prstGeom prst="rect">
             <a:avLst/>
@@ -8577,30 +8685,23 @@
               <a:buNone/>
             </a:pPr>
             <a:r>
-              <a:rPr b="1" lang="en" sz="1500" u="sng"/>
-              <a:t>Sprint 1: Mapping out the network traffic trend</a:t>
+              <a:rPr lang="en" sz="3500">
+                <a:solidFill>
+                  <a:srgbClr val="000000"/>
+                </a:solidFill>
+              </a:rPr>
+              <a:t>Project Release Plan Cont.</a:t>
             </a:r>
-            <a:br>
-              <a:rPr lang="en" sz="1500"/>
-            </a:br>
-            <a:r>
-              <a:rPr lang="en" sz="1500"/>
-              <a:t>As a student, I want to know where the best spot to use Internet on campus so that they can have the highest </a:t>
-            </a:r>
-            <a:r>
-              <a:rPr lang="en" sz="1500"/>
-              <a:t>download</a:t>
-            </a:r>
-            <a:r>
-              <a:rPr lang="en" sz="1500"/>
-              <a:t> speeds.</a:t>
-            </a:r>
-            <a:endParaRPr sz="1500"/>
+            <a:endParaRPr sz="3500">
+              <a:solidFill>
+                <a:srgbClr val="000000"/>
+              </a:solidFill>
+            </a:endParaRPr>
           </a:p>
           <a:p>
             <a:pPr indent="0" lvl="0" marL="0" rtl="0" algn="l">
               <a:spcBef>
-                <a:spcPts val="1600"/>
+                <a:spcPts val="0"/>
               </a:spcBef>
               <a:spcAft>
                 <a:spcPts val="0"/>
@@ -8608,44 +8709,9 @@
               <a:buNone/>
             </a:pPr>
             <a:r>
-              <a:rPr b="1" lang="en" sz="1500" u="sng"/>
-              <a:t>Sprint 2: Network analysis with interactive visualization</a:t>
+              <a:t/>
             </a:r>
-            <a:br>
-              <a:rPr b="1" lang="en" sz="1500" u="sng"/>
-            </a:br>
-            <a:r>
-              <a:rPr lang="en" sz="1500"/>
-              <a:t>As a network </a:t>
-            </a:r>
-            <a:r>
-              <a:rPr lang="en" sz="1500"/>
-              <a:t>analyst</a:t>
-            </a:r>
-            <a:r>
-              <a:rPr lang="en" sz="1500"/>
-              <a:t> or technician, we want to know what we should do with the given network traffic and which routes are better options.</a:t>
-            </a:r>
-            <a:endParaRPr sz="1500"/>
-          </a:p>
-          <a:p>
-            <a:pPr indent="0" lvl="0" marL="0" rtl="0" algn="l">
-              <a:spcBef>
-                <a:spcPts val="1600"/>
-              </a:spcBef>
-              <a:spcAft>
-                <a:spcPts val="1600"/>
-              </a:spcAft>
-              <a:buNone/>
-            </a:pPr>
-            <a:r>
-              <a:rPr b="1" lang="en" sz="1500" u="sng"/>
-              <a:t>Sprint 3: Back-tracing network signals</a:t>
-            </a:r>
-            <a:br>
-              <a:rPr b="1" lang="en" sz="1500" u="sng"/>
-            </a:br>
-            <a:endParaRPr sz="1500"/>
+            <a:endParaRPr/>
           </a:p>
         </p:txBody>
       </p:sp>
@@ -8654,13 +8720,13 @@
           <p:cNvPr id="100" name="Google Shape;100;p15"/>
           <p:cNvSpPr txBox="1"/>
           <p:nvPr>
-            <p:ph idx="4294967295" type="ctrTitle"/>
+            <p:ph idx="1" type="body"/>
           </p:nvPr>
         </p:nvSpPr>
         <p:spPr>
           <a:xfrm>
-            <a:off x="96050" y="460275"/>
-            <a:ext cx="8322000" cy="738600"/>
+            <a:off x="727650" y="1205025"/>
+            <a:ext cx="7688700" cy="3518100"/>
           </a:xfrm>
           <a:prstGeom prst="rect">
             <a:avLst/>
@@ -8674,7 +8740,7 @@
           <a:p>
             <a:pPr indent="0" lvl="0" marL="0" rtl="0" algn="l">
               <a:spcBef>
-                <a:spcPts val="0"/>
+                <a:spcPts val="1000"/>
               </a:spcBef>
               <a:spcAft>
                 <a:spcPts val="0"/>
@@ -8682,10 +8748,173 @@
               <a:buNone/>
             </a:pPr>
             <a:r>
-              <a:rPr lang="en" sz="3500"/>
-              <a:t>Project Release Plan - User Stories</a:t>
+              <a:rPr b="1" lang="en" sz="1500" u="sng">
+                <a:solidFill>
+                  <a:srgbClr val="404040"/>
+                </a:solidFill>
+                <a:latin typeface="Trebuchet MS"/>
+                <a:ea typeface="Trebuchet MS"/>
+                <a:cs typeface="Trebuchet MS"/>
+                <a:sym typeface="Trebuchet MS"/>
+              </a:rPr>
+              <a:t>High level goal(s):</a:t>
             </a:r>
-            <a:endParaRPr sz="3500"/>
+            <a:endParaRPr b="1" sz="1500" u="sng">
+              <a:solidFill>
+                <a:srgbClr val="404040"/>
+              </a:solidFill>
+              <a:latin typeface="Trebuchet MS"/>
+              <a:ea typeface="Trebuchet MS"/>
+              <a:cs typeface="Trebuchet MS"/>
+              <a:sym typeface="Trebuchet MS"/>
+            </a:endParaRPr>
+          </a:p>
+          <a:p>
+            <a:pPr indent="0" lvl="0" marL="0" rtl="0" algn="l">
+              <a:spcBef>
+                <a:spcPts val="1000"/>
+              </a:spcBef>
+              <a:spcAft>
+                <a:spcPts val="0"/>
+              </a:spcAft>
+              <a:buNone/>
+            </a:pPr>
+            <a:r>
+              <a:rPr lang="en" sz="1500">
+                <a:solidFill>
+                  <a:srgbClr val="90C226"/>
+                </a:solidFill>
+                <a:latin typeface="Arial"/>
+                <a:ea typeface="Arial"/>
+                <a:cs typeface="Arial"/>
+                <a:sym typeface="Arial"/>
+              </a:rPr>
+              <a:t>•</a:t>
+            </a:r>
+            <a:r>
+              <a:rPr lang="en" sz="1500">
+                <a:solidFill>
+                  <a:srgbClr val="404040"/>
+                </a:solidFill>
+                <a:latin typeface="Trebuchet MS"/>
+                <a:ea typeface="Trebuchet MS"/>
+                <a:cs typeface="Trebuchet MS"/>
+                <a:sym typeface="Trebuchet MS"/>
+              </a:rPr>
+              <a:t>Combination of Google Maps API with the UCSC Access Points to display where fastest/slowest connections.</a:t>
+            </a:r>
+            <a:endParaRPr sz="1500">
+              <a:solidFill>
+                <a:srgbClr val="404040"/>
+              </a:solidFill>
+              <a:latin typeface="Trebuchet MS"/>
+              <a:ea typeface="Trebuchet MS"/>
+              <a:cs typeface="Trebuchet MS"/>
+              <a:sym typeface="Trebuchet MS"/>
+            </a:endParaRPr>
+          </a:p>
+          <a:p>
+            <a:pPr indent="0" lvl="0" marL="0" rtl="0" algn="l">
+              <a:spcBef>
+                <a:spcPts val="1000"/>
+              </a:spcBef>
+              <a:spcAft>
+                <a:spcPts val="0"/>
+              </a:spcAft>
+              <a:buNone/>
+            </a:pPr>
+            <a:r>
+              <a:rPr lang="en" sz="1500">
+                <a:solidFill>
+                  <a:srgbClr val="90C226"/>
+                </a:solidFill>
+                <a:latin typeface="Arial"/>
+                <a:ea typeface="Arial"/>
+                <a:cs typeface="Arial"/>
+                <a:sym typeface="Arial"/>
+              </a:rPr>
+              <a:t>•</a:t>
+            </a:r>
+            <a:r>
+              <a:rPr lang="en" sz="1500">
+                <a:solidFill>
+                  <a:srgbClr val="404040"/>
+                </a:solidFill>
+                <a:latin typeface="Trebuchet MS"/>
+                <a:ea typeface="Trebuchet MS"/>
+                <a:cs typeface="Trebuchet MS"/>
+                <a:sym typeface="Trebuchet MS"/>
+              </a:rPr>
+              <a:t>Trace-back using an IP address to mark a geographic location for that address</a:t>
+            </a:r>
+            <a:endParaRPr sz="1500">
+              <a:solidFill>
+                <a:srgbClr val="404040"/>
+              </a:solidFill>
+              <a:latin typeface="Trebuchet MS"/>
+              <a:ea typeface="Trebuchet MS"/>
+              <a:cs typeface="Trebuchet MS"/>
+              <a:sym typeface="Trebuchet MS"/>
+            </a:endParaRPr>
+          </a:p>
+          <a:p>
+            <a:pPr indent="0" lvl="0" marL="0" rtl="0" algn="l">
+              <a:spcBef>
+                <a:spcPts val="1000"/>
+              </a:spcBef>
+              <a:spcAft>
+                <a:spcPts val="0"/>
+              </a:spcAft>
+              <a:buNone/>
+            </a:pPr>
+            <a:r>
+              <a:rPr lang="en" sz="1500">
+                <a:solidFill>
+                  <a:srgbClr val="90C226"/>
+                </a:solidFill>
+                <a:latin typeface="Arial"/>
+                <a:ea typeface="Arial"/>
+                <a:cs typeface="Arial"/>
+                <a:sym typeface="Arial"/>
+              </a:rPr>
+              <a:t>•</a:t>
+            </a:r>
+            <a:r>
+              <a:rPr lang="en" sz="1500">
+                <a:solidFill>
+                  <a:srgbClr val="404040"/>
+                </a:solidFill>
+                <a:latin typeface="Trebuchet MS"/>
+                <a:ea typeface="Trebuchet MS"/>
+                <a:cs typeface="Trebuchet MS"/>
+                <a:sym typeface="Trebuchet MS"/>
+              </a:rPr>
+              <a:t>Log network traffic and create some data visualization of it</a:t>
+            </a:r>
+            <a:endParaRPr sz="1500">
+              <a:solidFill>
+                <a:srgbClr val="404040"/>
+              </a:solidFill>
+              <a:latin typeface="Trebuchet MS"/>
+              <a:ea typeface="Trebuchet MS"/>
+              <a:cs typeface="Trebuchet MS"/>
+              <a:sym typeface="Trebuchet MS"/>
+            </a:endParaRPr>
+          </a:p>
+          <a:p>
+            <a:pPr indent="0" lvl="0" marL="0" rtl="0" algn="l">
+              <a:spcBef>
+                <a:spcPts val="0"/>
+              </a:spcBef>
+              <a:spcAft>
+                <a:spcPts val="1600"/>
+              </a:spcAft>
+              <a:buNone/>
+            </a:pPr>
+            <a:r>
+              <a:t/>
+            </a:r>
+            <a:endParaRPr/>
           </a:p>
         </p:txBody>
       </p:sp>
@@ -8724,8 +8953,8 @@
         </p:nvSpPr>
         <p:spPr>
           <a:xfrm>
-            <a:off x="729450" y="1303975"/>
-            <a:ext cx="7688700" cy="3682800"/>
+            <a:off x="729450" y="1267775"/>
+            <a:ext cx="7688700" cy="3670500"/>
           </a:xfrm>
           <a:prstGeom prst="rect">
             <a:avLst/>
@@ -8742,6 +8971,73 @@
                 <a:spcPts val="0"/>
               </a:spcBef>
               <a:spcAft>
+                <a:spcPts val="0"/>
+              </a:spcAft>
+              <a:buNone/>
+            </a:pPr>
+            <a:r>
+              <a:rPr b="1" lang="en" sz="1500" u="sng"/>
+              <a:t>Sprint 1 (Current): Mapping out the network traffic trend</a:t>
+            </a:r>
+            <a:br>
+              <a:rPr lang="en" sz="1500"/>
+            </a:br>
+            <a:endParaRPr sz="1500"/>
+          </a:p>
+          <a:p>
+            <a:pPr indent="0" lvl="0" marL="0" rtl="0" algn="l">
+              <a:spcBef>
+                <a:spcPts val="1600"/>
+              </a:spcBef>
+              <a:spcAft>
+                <a:spcPts val="0"/>
+              </a:spcAft>
+              <a:buNone/>
+            </a:pPr>
+            <a:r>
+              <a:rPr lang="en" sz="1800"/>
+              <a:t>As a network analyst, I would like to observe and sample network traffic in my area so I know when the routers/Access Points are busiest.</a:t>
+            </a:r>
+            <a:endParaRPr sz="1800"/>
+          </a:p>
+          <a:p>
+            <a:pPr indent="0" lvl="0" marL="0" rtl="0" algn="l">
+              <a:spcBef>
+                <a:spcPts val="1600"/>
+              </a:spcBef>
+              <a:spcAft>
+                <a:spcPts val="0"/>
+              </a:spcAft>
+              <a:buNone/>
+            </a:pPr>
+            <a:r>
+              <a:rPr lang="en" sz="1800"/>
+              <a:t>As a student, I would like to know where on campus has the best network signal at a specific time so I can complete my </a:t>
+            </a:r>
+            <a:r>
+              <a:rPr lang="en" sz="1800"/>
+              <a:t>assignments</a:t>
+            </a:r>
+            <a:r>
+              <a:rPr lang="en" sz="1800"/>
+              <a:t> without </a:t>
+            </a:r>
+            <a:r>
+              <a:rPr lang="en" sz="1800"/>
+              <a:t>network</a:t>
+            </a:r>
+            <a:r>
+              <a:rPr lang="en" sz="1800"/>
+              <a:t> interruptions. </a:t>
+            </a:r>
+            <a:endParaRPr sz="1800"/>
+          </a:p>
+          <a:p>
+            <a:pPr indent="0" lvl="0" marL="0" rtl="0" algn="l">
+              <a:spcBef>
+                <a:spcPts val="1600"/>
+              </a:spcBef>
+              <a:spcAft>
                 <a:spcPts val="1600"/>
               </a:spcAft>
               <a:buNone/>
@@ -8749,7 +9045,7 @@
             <a:r>
               <a:t/>
             </a:r>
-            <a:endParaRPr/>
+            <a:endParaRPr sz="1500"/>
           </a:p>
         </p:txBody>
       </p:sp>
@@ -8787,7 +9083,7 @@
             </a:pPr>
             <a:r>
               <a:rPr lang="en" sz="3500"/>
-              <a:t>Project Release Plan - Architecture</a:t>
+              <a:t>Project Release Plan - User Stories</a:t>
             </a:r>
             <a:endParaRPr sz="3500"/>
           </a:p>
@@ -8828,7 +9124,7 @@
         </p:nvSpPr>
         <p:spPr>
           <a:xfrm>
-            <a:off x="729450" y="1303975"/>
+            <a:off x="729450" y="1267775"/>
             <a:ext cx="7688700" cy="3670500"/>
           </a:xfrm>
           <a:prstGeom prst="rect">
@@ -8851,22 +9147,10 @@
               <a:buNone/>
             </a:pPr>
             <a:r>
-              <a:rPr b="1" lang="en" sz="1800" u="sng"/>
-              <a:t>Challenge 1</a:t>
+              <a:rPr b="1" lang="en" sz="1500" u="sng"/>
+              <a:t>Sprint 2: Network analysis with interactive visualization</a:t>
             </a:r>
-            <a:r>
-              <a:rPr lang="en" sz="1800"/>
-              <a:t>: Learning to become familiarized with all </a:t>
-            </a:r>
-            <a:r>
-              <a:rPr lang="en" sz="1800"/>
-              <a:t>technologies</a:t>
-            </a:r>
-            <a:r>
-              <a:rPr lang="en" sz="1800"/>
-              <a:t> that will be used. </a:t>
-            </a:r>
-            <a:endParaRPr sz="1800"/>
+            <a:endParaRPr b="1" sz="1500" u="sng"/>
           </a:p>
           <a:p>
             <a:pPr indent="0" lvl="0" marL="0" rtl="0" algn="l">
@@ -8879,22 +9163,10 @@
               <a:buNone/>
             </a:pPr>
             <a:r>
-              <a:rPr b="1" lang="en" sz="1800" u="sng"/>
-              <a:t>Challenge 2</a:t>
+              <a:rPr lang="en" sz="1500"/>
+              <a:t>As a network analyst or technician, I want to see a visual representation of network traffic of all the devices of interest so I can show clients with limited networking knowledge</a:t>
             </a:r>
-            <a:r>
-              <a:rPr lang="en" sz="1800"/>
-              <a:t>: </a:t>
-            </a:r>
-            <a:r>
-              <a:rPr lang="en" sz="1800"/>
-              <a:t>Weighing</a:t>
-            </a:r>
-            <a:r>
-              <a:rPr lang="en" sz="1800"/>
-              <a:t> the benefits and consequences of using certain program or platform.</a:t>
-            </a:r>
-            <a:endParaRPr sz="1800"/>
+            <a:endParaRPr sz="1500"/>
           </a:p>
           <a:p>
             <a:pPr indent="0" lvl="0" marL="0" rtl="0" algn="l">
@@ -8907,18 +9179,10 @@
               <a:buNone/>
             </a:pPr>
             <a:r>
-              <a:rPr b="1" lang="en" sz="1800" u="sng"/>
-              <a:t>Challenge 3</a:t>
+              <a:rPr lang="en" sz="1500"/>
+              <a:t>As a student, I want to be able to see a graph of when a router/Access Point at the library is most busy so I can plan on working around it.</a:t>
             </a:r>
-            <a:r>
-              <a:rPr lang="en" sz="1800"/>
-              <a:t>: </a:t>
-            </a:r>
-            <a:r>
-              <a:rPr lang="en" sz="1800"/>
-              <a:t>How to implement different features like web application platform, database, etc.</a:t>
-            </a:r>
-            <a:endParaRPr sz="1800"/>
+            <a:endParaRPr b="1" sz="1500" u="sng"/>
           </a:p>
           <a:p>
             <a:pPr indent="0" lvl="0" marL="0" rtl="0" algn="l">
@@ -8931,14 +9195,17 @@
               <a:buNone/>
             </a:pPr>
             <a:r>
-              <a:rPr b="1" lang="en" sz="1800" u="sng"/>
-              <a:t>Challenge 4</a:t>
+              <a:rPr b="1" lang="en" sz="1500" u="sng"/>
+              <a:t>Sprint 3: Back-tracing network signals</a:t>
             </a:r>
+            <a:br>
+              <a:rPr b="1" lang="en" sz="1500" u="sng"/>
+            </a:br>
             <a:r>
-              <a:rPr lang="en" sz="1800"/>
-              <a:t>: Finding time to meet that works everybody.</a:t>
+              <a:rPr lang="en" sz="1500"/>
+              <a:t>As a student with finals approaching, I would like to have a map with locations to the library’s Access Points with the best internet connection so that I can spend less time walking around and more time being productive. </a:t>
             </a:r>
-            <a:endParaRPr sz="1800"/>
+            <a:endParaRPr sz="1500"/>
           </a:p>
         </p:txBody>
       </p:sp>
@@ -8953,7 +9220,7 @@
         <p:spPr>
           <a:xfrm>
             <a:off x="96050" y="460275"/>
-            <a:ext cx="8899200" cy="738600"/>
+            <a:ext cx="8322000" cy="738600"/>
           </a:xfrm>
           <a:prstGeom prst="rect">
             <a:avLst/>
@@ -8976,7 +9243,7 @@
             </a:pPr>
             <a:r>
               <a:rPr lang="en" sz="3500"/>
-              <a:t>Project Release Plan - Challenges/Risks</a:t>
+              <a:t>Project Release Plan - User Stories</a:t>
             </a:r>
             <a:endParaRPr sz="3500"/>
           </a:p>
@@ -9017,6 +9284,195 @@
         </p:nvSpPr>
         <p:spPr>
           <a:xfrm>
+            <a:off x="729450" y="1303975"/>
+            <a:ext cx="7688700" cy="3670500"/>
+          </a:xfrm>
+          <a:prstGeom prst="rect">
+            <a:avLst/>
+          </a:prstGeom>
+        </p:spPr>
+        <p:txBody>
+          <a:bodyPr anchorCtr="0" anchor="t" bIns="91425" lIns="91425" spcFirstLastPara="1" rIns="91425" wrap="square" tIns="91425">
+            <a:noAutofit/>
+          </a:bodyPr>
+          <a:lstStyle/>
+          <a:p>
+            <a:pPr indent="0" lvl="0" marL="0" rtl="0" algn="l">
+              <a:spcBef>
+                <a:spcPts val="0"/>
+              </a:spcBef>
+              <a:spcAft>
+                <a:spcPts val="0"/>
+              </a:spcAft>
+              <a:buNone/>
+            </a:pPr>
+            <a:r>
+              <a:rPr b="1" lang="en" sz="1800" u="sng"/>
+              <a:t>Challenge 1</a:t>
+            </a:r>
+            <a:r>
+              <a:rPr lang="en" sz="1800"/>
+              <a:t>: Learning to become familiarized with all </a:t>
+            </a:r>
+            <a:r>
+              <a:rPr lang="en" sz="1800"/>
+              <a:t>technologies</a:t>
+            </a:r>
+            <a:r>
+              <a:rPr lang="en" sz="1800"/>
+              <a:t> that will be used. </a:t>
+            </a:r>
+            <a:endParaRPr sz="1800"/>
+          </a:p>
+          <a:p>
+            <a:pPr indent="0" lvl="0" marL="0" rtl="0" algn="l">
+              <a:spcBef>
+                <a:spcPts val="1600"/>
+              </a:spcBef>
+              <a:spcAft>
+                <a:spcPts val="0"/>
+              </a:spcAft>
+              <a:buNone/>
+            </a:pPr>
+            <a:r>
+              <a:rPr b="1" lang="en" sz="1800" u="sng"/>
+              <a:t>Challenge 2</a:t>
+            </a:r>
+            <a:r>
+              <a:rPr lang="en" sz="1800"/>
+              <a:t>: </a:t>
+            </a:r>
+            <a:r>
+              <a:rPr lang="en" sz="1800"/>
+              <a:t>Weighing</a:t>
+            </a:r>
+            <a:r>
+              <a:rPr lang="en" sz="1800"/>
+              <a:t> the benefits and cost of using resource intensive hardware or platforms.</a:t>
+            </a:r>
+            <a:endParaRPr sz="1800"/>
+          </a:p>
+          <a:p>
+            <a:pPr indent="0" lvl="0" marL="0" rtl="0" algn="l">
+              <a:spcBef>
+                <a:spcPts val="1600"/>
+              </a:spcBef>
+              <a:spcAft>
+                <a:spcPts val="0"/>
+              </a:spcAft>
+              <a:buNone/>
+            </a:pPr>
+            <a:r>
+              <a:rPr b="1" lang="en" sz="1800" u="sng"/>
+              <a:t>Challenge 3</a:t>
+            </a:r>
+            <a:r>
+              <a:rPr lang="en" sz="1800"/>
+              <a:t>: </a:t>
+            </a:r>
+            <a:r>
+              <a:rPr lang="en" sz="1800"/>
+              <a:t>How to implement different frontend/backend features like web application platform, databases, etc.</a:t>
+            </a:r>
+            <a:endParaRPr sz="1800"/>
+          </a:p>
+          <a:p>
+            <a:pPr indent="0" lvl="0" marL="0" rtl="0" algn="l">
+              <a:spcBef>
+                <a:spcPts val="1600"/>
+              </a:spcBef>
+              <a:spcAft>
+                <a:spcPts val="1600"/>
+              </a:spcAft>
+              <a:buNone/>
+            </a:pPr>
+            <a:r>
+              <a:rPr b="1" lang="en" sz="1800" u="sng"/>
+              <a:t>Challenge 4</a:t>
+            </a:r>
+            <a:r>
+              <a:rPr lang="en" sz="1800"/>
+              <a:t>: Finding time to meet that works everybody.</a:t>
+            </a:r>
+            <a:endParaRPr sz="1800"/>
+          </a:p>
+        </p:txBody>
+      </p:sp>
+      <p:sp>
+        <p:nvSpPr>
+          <p:cNvPr id="118" name="Google Shape;118;p18"/>
+          <p:cNvSpPr txBox="1"/>
+          <p:nvPr>
+            <p:ph idx="4294967295" type="ctrTitle"/>
+          </p:nvPr>
+        </p:nvSpPr>
+        <p:spPr>
+          <a:xfrm>
+            <a:off x="96050" y="460275"/>
+            <a:ext cx="8899200" cy="738600"/>
+          </a:xfrm>
+          <a:prstGeom prst="rect">
+            <a:avLst/>
+          </a:prstGeom>
+        </p:spPr>
+        <p:txBody>
+          <a:bodyPr anchorCtr="0" anchor="t" bIns="91425" lIns="91425" spcFirstLastPara="1" rIns="91425" wrap="square" tIns="91425">
+            <a:noAutofit/>
+          </a:bodyPr>
+          <a:lstStyle/>
+          <a:p>
+            <a:pPr indent="0" lvl="0" marL="0" rtl="0" algn="l">
+              <a:spcBef>
+                <a:spcPts val="0"/>
+              </a:spcBef>
+              <a:spcAft>
+                <a:spcPts val="0"/>
+              </a:spcAft>
+              <a:buNone/>
+            </a:pPr>
+            <a:r>
+              <a:rPr lang="en" sz="3500"/>
+              <a:t>Project Release Plan - Challenges/Risks</a:t>
+            </a:r>
+            <a:endParaRPr sz="3500"/>
+          </a:p>
+        </p:txBody>
+      </p:sp>
+    </p:spTree>
+  </p:cSld>
+  <p:clrMapOvr>
+    <a:masterClrMapping/>
+  </p:clrMapOvr>
+</p:sld>
+</file>
+
+<file path=ppt/slides/slide7.xml><?xml version="1.0" encoding="utf-8"?>
+<p:sld xmlns:a="http://schemas.openxmlformats.org/drawingml/2006/main" xmlns:r="http://schemas.openxmlformats.org/officeDocument/2006/relationships" xmlns:mc="http://schemas.openxmlformats.org/markup-compatibility/2006" xmlns:mv="urn:schemas-microsoft-com:mac:vml" xmlns:p="http://schemas.openxmlformats.org/presentationml/2006/main" xmlns:c="http://schemas.openxmlformats.org/drawingml/2006/chart" xmlns:dgm="http://schemas.openxmlformats.org/drawingml/2006/diagram" xmlns:o="urn:schemas-microsoft-com:office:office" xmlns:v="urn:schemas-microsoft-com:vml" xmlns:pvml="urn:schemas-microsoft-com:office:powerpoint" xmlns:com="http://schemas.openxmlformats.org/drawingml/2006/compatibility" xmlns:p14="http://schemas.microsoft.com/office/powerpoint/2010/main" xmlns:p15="http://schemas.microsoft.com/office/powerpoint/2012/main">
+  <p:cSld>
+    <p:spTree>
+      <p:nvGrpSpPr>
+        <p:cNvPr id="122" name="Shape 122"/>
+        <p:cNvGrpSpPr/>
+        <p:nvPr/>
+      </p:nvGrpSpPr>
+      <p:grpSpPr>
+        <a:xfrm>
+          <a:off x="0" y="0"/>
+          <a:ext cx="0" cy="0"/>
+          <a:chOff x="0" y="0"/>
+          <a:chExt cx="0" cy="0"/>
+        </a:xfrm>
+      </p:grpSpPr>
+      <p:sp>
+        <p:nvSpPr>
+          <p:cNvPr id="123" name="Google Shape;123;p19"/>
+          <p:cNvSpPr txBox="1"/>
+          <p:nvPr>
+            <p:ph idx="1" type="body"/>
+          </p:nvPr>
+        </p:nvSpPr>
+        <p:spPr>
+          <a:xfrm>
             <a:off x="729450" y="1279850"/>
             <a:ext cx="7688700" cy="3767100"/>
           </a:xfrm>
@@ -9129,7 +9585,7 @@
       </p:sp>
       <p:sp>
         <p:nvSpPr>
-          <p:cNvPr id="118" name="Google Shape;118;p18"/>
+          <p:cNvPr id="124" name="Google Shape;124;p19"/>
           <p:cNvSpPr txBox="1"/>
           <p:nvPr>
             <p:ph idx="4294967295" type="ctrTitle"/>
@@ -9164,6 +9620,110 @@
               <a:t>Project Release Plan - Technologies</a:t>
             </a:r>
             <a:endParaRPr sz="3500"/>
+          </a:p>
+        </p:txBody>
+      </p:sp>
+    </p:spTree>
+  </p:cSld>
+  <p:clrMapOvr>
+    <a:masterClrMapping/>
+  </p:clrMapOvr>
+</p:sld>
+</file>
+
+<file path=ppt/slides/slide8.xml><?xml version="1.0" encoding="utf-8"?>
+<p:sld xmlns:a="http://schemas.openxmlformats.org/drawingml/2006/main" xmlns:r="http://schemas.openxmlformats.org/officeDocument/2006/relationships" xmlns:mc="http://schemas.openxmlformats.org/markup-compatibility/2006" xmlns:mv="urn:schemas-microsoft-com:mac:vml" xmlns:p="http://schemas.openxmlformats.org/presentationml/2006/main" xmlns:c="http://schemas.openxmlformats.org/drawingml/2006/chart" xmlns:dgm="http://schemas.openxmlformats.org/drawingml/2006/diagram" xmlns:o="urn:schemas-microsoft-com:office:office" xmlns:v="urn:schemas-microsoft-com:vml" xmlns:pvml="urn:schemas-microsoft-com:office:powerpoint" xmlns:com="http://schemas.openxmlformats.org/drawingml/2006/compatibility" xmlns:p14="http://schemas.microsoft.com/office/powerpoint/2010/main" xmlns:p15="http://schemas.microsoft.com/office/powerpoint/2012/main">
+  <p:cSld>
+    <p:spTree>
+      <p:nvGrpSpPr>
+        <p:cNvPr id="128" name="Shape 128"/>
+        <p:cNvGrpSpPr/>
+        <p:nvPr/>
+      </p:nvGrpSpPr>
+      <p:grpSpPr>
+        <a:xfrm>
+          <a:off x="0" y="0"/>
+          <a:ext cx="0" cy="0"/>
+          <a:chOff x="0" y="0"/>
+          <a:chExt cx="0" cy="0"/>
+        </a:xfrm>
+      </p:grpSpPr>
+      <p:sp>
+        <p:nvSpPr>
+          <p:cNvPr id="129" name="Google Shape;129;p20"/>
+          <p:cNvSpPr txBox="1"/>
+          <p:nvPr>
+            <p:ph idx="1" type="body"/>
+          </p:nvPr>
+        </p:nvSpPr>
+        <p:spPr>
+          <a:xfrm>
+            <a:off x="729450" y="1303975"/>
+            <a:ext cx="7688700" cy="3682800"/>
+          </a:xfrm>
+          <a:prstGeom prst="rect">
+            <a:avLst/>
+          </a:prstGeom>
+        </p:spPr>
+        <p:txBody>
+          <a:bodyPr anchorCtr="0" anchor="t" bIns="91425" lIns="91425" spcFirstLastPara="1" rIns="91425" wrap="square" tIns="91425">
+            <a:noAutofit/>
+          </a:bodyPr>
+          <a:lstStyle/>
+          <a:p>
+            <a:pPr indent="0" lvl="0" marL="0" rtl="0" algn="l">
+              <a:spcBef>
+                <a:spcPts val="0"/>
+              </a:spcBef>
+              <a:spcAft>
+                <a:spcPts val="1600"/>
+              </a:spcAft>
+              <a:buNone/>
+            </a:pPr>
+            <a:r>
+              <a:t/>
+            </a:r>
+            <a:endParaRPr/>
+          </a:p>
+        </p:txBody>
+      </p:sp>
+      <p:sp>
+        <p:nvSpPr>
+          <p:cNvPr id="130" name="Google Shape;130;p20"/>
+          <p:cNvSpPr txBox="1"/>
+          <p:nvPr>
+            <p:ph idx="4294967295" type="ctrTitle"/>
+          </p:nvPr>
+        </p:nvSpPr>
+        <p:spPr>
+          <a:xfrm>
+            <a:off x="96050" y="460275"/>
+            <a:ext cx="8322000" cy="738600"/>
+          </a:xfrm>
+          <a:prstGeom prst="rect">
+            <a:avLst/>
+          </a:prstGeom>
+        </p:spPr>
+        <p:txBody>
+          <a:bodyPr anchorCtr="0" anchor="t" bIns="91425" lIns="91425" spcFirstLastPara="1" rIns="91425" wrap="square" tIns="91425">
+            <a:noAutofit/>
+          </a:bodyPr>
+          <a:lstStyle/>
+          <a:p>
+            <a:pPr indent="0" lvl="0" marL="0" rtl="0" algn="l">
+              <a:spcBef>
+                <a:spcPts val="0"/>
+              </a:spcBef>
+              <a:spcAft>
+                <a:spcPts val="0"/>
+              </a:spcAft>
+              <a:buNone/>
+            </a:pPr>
+            <a:r>
+              <a:rPr lang="en" sz="2400"/>
+              <a:t>Project Release Plan - Architecture (Rough Draft 1)</a:t>
+            </a:r>
+            <a:endParaRPr sz="2400"/>
           </a:p>
         </p:txBody>
       </p:sp>

--- a/Project Release Plan.pptx
+++ b/Project Release Plan.pptx
@@ -8454,6 +8454,102 @@
                 <a:cs typeface="Trebuchet MS"/>
                 <a:sym typeface="Trebuchet MS"/>
               </a:rPr>
+              <a:t>Have you wondered where your web requests go ?</a:t>
+            </a:r>
+            <a:endParaRPr b="1" sz="1500">
+              <a:solidFill>
+                <a:srgbClr val="404040"/>
+              </a:solidFill>
+              <a:latin typeface="Trebuchet MS"/>
+              <a:ea typeface="Trebuchet MS"/>
+              <a:cs typeface="Trebuchet MS"/>
+              <a:sym typeface="Trebuchet MS"/>
+            </a:endParaRPr>
+          </a:p>
+          <a:p>
+            <a:pPr indent="0" lvl="0" marL="0" rtl="0" algn="l">
+              <a:spcBef>
+                <a:spcPts val="1000"/>
+              </a:spcBef>
+              <a:spcAft>
+                <a:spcPts val="0"/>
+              </a:spcAft>
+              <a:buNone/>
+            </a:pPr>
+            <a:r>
+              <a:rPr b="1" lang="en" sz="1500">
+                <a:solidFill>
+                  <a:srgbClr val="404040"/>
+                </a:solidFill>
+                <a:latin typeface="Trebuchet MS"/>
+                <a:ea typeface="Trebuchet MS"/>
+                <a:cs typeface="Trebuchet MS"/>
+                <a:sym typeface="Trebuchet MS"/>
+              </a:rPr>
+              <a:t> Where are these mystical devices ?</a:t>
+            </a:r>
+            <a:endParaRPr b="1" sz="1500">
+              <a:solidFill>
+                <a:srgbClr val="404040"/>
+              </a:solidFill>
+              <a:latin typeface="Trebuchet MS"/>
+              <a:ea typeface="Trebuchet MS"/>
+              <a:cs typeface="Trebuchet MS"/>
+              <a:sym typeface="Trebuchet MS"/>
+            </a:endParaRPr>
+          </a:p>
+          <a:p>
+            <a:pPr indent="0" lvl="0" marL="0" rtl="0" algn="l">
+              <a:spcBef>
+                <a:spcPts val="1000"/>
+              </a:spcBef>
+              <a:spcAft>
+                <a:spcPts val="0"/>
+              </a:spcAft>
+              <a:buNone/>
+            </a:pPr>
+            <a:r>
+              <a:rPr b="1" lang="en" sz="1500">
+                <a:solidFill>
+                  <a:srgbClr val="404040"/>
+                </a:solidFill>
+                <a:latin typeface="Trebuchet MS"/>
+                <a:ea typeface="Trebuchet MS"/>
+                <a:cs typeface="Trebuchet MS"/>
+                <a:sym typeface="Trebuchet MS"/>
+              </a:rPr>
+              <a:t>Introducing TrafficDump!</a:t>
+            </a:r>
+            <a:endParaRPr b="1" sz="1500">
+              <a:solidFill>
+                <a:srgbClr val="404040"/>
+              </a:solidFill>
+              <a:latin typeface="Trebuchet MS"/>
+              <a:ea typeface="Trebuchet MS"/>
+              <a:cs typeface="Trebuchet MS"/>
+              <a:sym typeface="Trebuchet MS"/>
+            </a:endParaRPr>
+          </a:p>
+          <a:p>
+            <a:pPr indent="0" lvl="0" marL="0" rtl="0" algn="l">
+              <a:spcBef>
+                <a:spcPts val="1000"/>
+              </a:spcBef>
+              <a:spcAft>
+                <a:spcPts val="0"/>
+              </a:spcAft>
+              <a:buNone/>
+            </a:pPr>
+            <a:r>
+              <a:rPr b="1" lang="en" sz="1500">
+                <a:solidFill>
+                  <a:srgbClr val="404040"/>
+                </a:solidFill>
+                <a:latin typeface="Trebuchet MS"/>
+                <a:ea typeface="Trebuchet MS"/>
+                <a:cs typeface="Trebuchet MS"/>
+                <a:sym typeface="Trebuchet MS"/>
+              </a:rPr>
               <a:t>TrafficDump is a web application that a</a:t>
             </a:r>
             <a:r>
@@ -8478,7 +8574,7 @@
                 <a:cs typeface="Trebuchet MS"/>
                 <a:sym typeface="Trebuchet MS"/>
               </a:rPr>
-              <a:t> from network devices located around campus </a:t>
+              <a:t> from network devices located inside and outside of campus, </a:t>
             </a:r>
             <a:r>
               <a:rPr b="1" lang="en" sz="1500">
@@ -8502,7 +8598,7 @@
                 <a:cs typeface="Trebuchet MS"/>
                 <a:sym typeface="Trebuchet MS"/>
               </a:rPr>
-              <a:t> and represent it as a list of graphical interface </a:t>
+              <a:t> and represents it as a list of graphical interfaces. </a:t>
             </a:r>
             <a:endParaRPr sz="1500">
               <a:solidFill>
@@ -8546,7 +8642,7 @@
                 <a:cs typeface="Trebuchet MS"/>
                 <a:sym typeface="Trebuchet MS"/>
               </a:rPr>
-              <a:t>provide a location with the best network signal</a:t>
+              <a:t>provide a location with the best network performance</a:t>
             </a:r>
             <a:r>
               <a:rPr lang="en" sz="1500">
@@ -9727,6 +9823,34 @@
           </a:p>
         </p:txBody>
       </p:sp>
+      <p:pic>
+        <p:nvPicPr>
+          <p:cNvPr id="131" name="Google Shape;131;p20"/>
+          <p:cNvPicPr preferRelativeResize="0"/>
+          <p:nvPr/>
+        </p:nvPicPr>
+        <p:blipFill>
+          <a:blip r:embed="rId3">
+            <a:alphaModFix/>
+          </a:blip>
+          <a:stretch>
+            <a:fillRect/>
+          </a:stretch>
+        </p:blipFill>
+        <p:spPr>
+          <a:xfrm>
+            <a:off x="645350" y="912450"/>
+            <a:ext cx="7898250" cy="4134725"/>
+          </a:xfrm>
+          <a:prstGeom prst="rect">
+            <a:avLst/>
+          </a:prstGeom>
+          <a:noFill/>
+          <a:ln>
+            <a:noFill/>
+          </a:ln>
+        </p:spPr>
+      </p:pic>
     </p:spTree>
   </p:cSld>
   <p:clrMapOvr>
